--- a/docs/ppt.pptx
+++ b/docs/ppt.pptx
@@ -4,6 +4,9 @@
   <p:sldMasterIdLst>
     <p:sldMasterId id="2147483649" r:id="rId1"/>
   </p:sldMasterIdLst>
+  <p:notesMasterIdLst>
+    <p:notesMasterId r:id="rId7"/>
+  </p:notesMasterIdLst>
   <p:sldIdLst>
     <p:sldId id="256" r:id="rId2"/>
     <p:sldId id="257" r:id="rId3"/>
@@ -183,8 +186,545 @@
         </p15:guide>
       </p15:sldGuideLst>
     </p:ext>
+    <p:ext uri="{2D200454-40CA-4A62-9FC3-DE9A4176ACB9}">
+      <p15:notesGuideLst xmlns:p15="http://schemas.microsoft.com/office/powerpoint/2012/main"/>
+    </p:ext>
   </p:extLst>
 </p:presentation>
+</file>
+
+<file path=ppt/notesMasters/notesMaster1.xml><?xml version="1.0" encoding="utf-8"?>
+<p:notesMaster xmlns:a="http://schemas.openxmlformats.org/drawingml/2006/main" xmlns:r="http://schemas.openxmlformats.org/officeDocument/2006/relationships" xmlns:p="http://schemas.openxmlformats.org/presentationml/2006/main">
+  <p:cSld>
+    <p:bg>
+      <p:bgRef idx="1001">
+        <a:schemeClr val="bg1"/>
+      </p:bgRef>
+    </p:bg>
+    <p:spTree>
+      <p:nvGrpSpPr>
+        <p:cNvPr id="1" name=""/>
+        <p:cNvGrpSpPr/>
+        <p:nvPr/>
+      </p:nvGrpSpPr>
+      <p:grpSpPr>
+        <a:xfrm>
+          <a:off x="0" y="0"/>
+          <a:ext cx="0" cy="0"/>
+          <a:chOff x="0" y="0"/>
+          <a:chExt cx="0" cy="0"/>
+        </a:xfrm>
+      </p:grpSpPr>
+      <p:sp>
+        <p:nvSpPr>
+          <p:cNvPr id="2" name="Header Placeholder 1"/>
+          <p:cNvSpPr>
+            <a:spLocks noGrp="1"/>
+          </p:cNvSpPr>
+          <p:nvPr>
+            <p:ph type="hdr" sz="quarter"/>
+          </p:nvPr>
+        </p:nvSpPr>
+        <p:spPr>
+          <a:xfrm>
+            <a:off x="0" y="0"/>
+            <a:ext cx="2971800" cy="458788"/>
+          </a:xfrm>
+          <a:prstGeom prst="rect">
+            <a:avLst/>
+          </a:prstGeom>
+        </p:spPr>
+        <p:txBody>
+          <a:bodyPr vert="horz" lIns="91440" tIns="45720" rIns="91440" bIns="45720" rtlCol="0"/>
+          <a:lstStyle>
+            <a:lvl1pPr algn="l">
+              <a:defRPr sz="1200"/>
+            </a:lvl1pPr>
+          </a:lstStyle>
+          <a:p>
+            <a:endParaRPr lang="en-US"/>
+          </a:p>
+        </p:txBody>
+      </p:sp>
+      <p:sp>
+        <p:nvSpPr>
+          <p:cNvPr id="3" name="Date Placeholder 2"/>
+          <p:cNvSpPr>
+            <a:spLocks noGrp="1"/>
+          </p:cNvSpPr>
+          <p:nvPr>
+            <p:ph type="dt" idx="1"/>
+          </p:nvPr>
+        </p:nvSpPr>
+        <p:spPr>
+          <a:xfrm>
+            <a:off x="3884613" y="0"/>
+            <a:ext cx="2971800" cy="458788"/>
+          </a:xfrm>
+          <a:prstGeom prst="rect">
+            <a:avLst/>
+          </a:prstGeom>
+        </p:spPr>
+        <p:txBody>
+          <a:bodyPr vert="horz" lIns="91440" tIns="45720" rIns="91440" bIns="45720" rtlCol="0"/>
+          <a:lstStyle>
+            <a:lvl1pPr algn="r">
+              <a:defRPr sz="1200"/>
+            </a:lvl1pPr>
+          </a:lstStyle>
+          <a:p>
+            <a:fld id="{243AD6EE-6D3A-F445-81BD-64B2DD9F11D9}" type="datetimeFigureOut">
+              <a:rPr lang="en-US" smtClean="0"/>
+              <a:t>1/14/16</a:t>
+            </a:fld>
+            <a:endParaRPr lang="en-US"/>
+          </a:p>
+        </p:txBody>
+      </p:sp>
+      <p:sp>
+        <p:nvSpPr>
+          <p:cNvPr id="4" name="Slide Image Placeholder 3"/>
+          <p:cNvSpPr>
+            <a:spLocks noGrp="1" noRot="1" noChangeAspect="1"/>
+          </p:cNvSpPr>
+          <p:nvPr>
+            <p:ph type="sldImg" idx="2"/>
+          </p:nvPr>
+        </p:nvSpPr>
+        <p:spPr>
+          <a:xfrm>
+            <a:off x="1371600" y="1143000"/>
+            <a:ext cx="4114800" cy="3086100"/>
+          </a:xfrm>
+          <a:prstGeom prst="rect">
+            <a:avLst/>
+          </a:prstGeom>
+          <a:noFill/>
+          <a:ln w="12700">
+            <a:solidFill>
+              <a:prstClr val="black"/>
+            </a:solidFill>
+          </a:ln>
+        </p:spPr>
+        <p:txBody>
+          <a:bodyPr vert="horz" lIns="91440" tIns="45720" rIns="91440" bIns="45720" rtlCol="0" anchor="ctr"/>
+          <a:lstStyle/>
+          <a:p>
+            <a:endParaRPr lang="en-US"/>
+          </a:p>
+        </p:txBody>
+      </p:sp>
+      <p:sp>
+        <p:nvSpPr>
+          <p:cNvPr id="5" name="Notes Placeholder 4"/>
+          <p:cNvSpPr>
+            <a:spLocks noGrp="1"/>
+          </p:cNvSpPr>
+          <p:nvPr>
+            <p:ph type="body" sz="quarter" idx="3"/>
+          </p:nvPr>
+        </p:nvSpPr>
+        <p:spPr>
+          <a:xfrm>
+            <a:off x="685800" y="4400550"/>
+            <a:ext cx="5486400" cy="3600450"/>
+          </a:xfrm>
+          <a:prstGeom prst="rect">
+            <a:avLst/>
+          </a:prstGeom>
+        </p:spPr>
+        <p:txBody>
+          <a:bodyPr vert="horz" lIns="91440" tIns="45720" rIns="91440" bIns="45720" rtlCol="0"/>
+          <a:lstStyle/>
+          <a:p>
+            <a:pPr lvl="0"/>
+            <a:r>
+              <a:rPr lang="en-GB" smtClean="0"/>
+              <a:t>Click to edit Master text styles</a:t>
+            </a:r>
+          </a:p>
+          <a:p>
+            <a:pPr lvl="1"/>
+            <a:r>
+              <a:rPr lang="en-GB" smtClean="0"/>
+              <a:t>Second level</a:t>
+            </a:r>
+          </a:p>
+          <a:p>
+            <a:pPr lvl="2"/>
+            <a:r>
+              <a:rPr lang="en-GB" smtClean="0"/>
+              <a:t>Third level</a:t>
+            </a:r>
+          </a:p>
+          <a:p>
+            <a:pPr lvl="3"/>
+            <a:r>
+              <a:rPr lang="en-GB" smtClean="0"/>
+              <a:t>Fourth level</a:t>
+            </a:r>
+          </a:p>
+          <a:p>
+            <a:pPr lvl="4"/>
+            <a:r>
+              <a:rPr lang="en-GB" smtClean="0"/>
+              <a:t>Fifth level</a:t>
+            </a:r>
+            <a:endParaRPr lang="en-US"/>
+          </a:p>
+        </p:txBody>
+      </p:sp>
+      <p:sp>
+        <p:nvSpPr>
+          <p:cNvPr id="6" name="Footer Placeholder 5"/>
+          <p:cNvSpPr>
+            <a:spLocks noGrp="1"/>
+          </p:cNvSpPr>
+          <p:nvPr>
+            <p:ph type="ftr" sz="quarter" idx="4"/>
+          </p:nvPr>
+        </p:nvSpPr>
+        <p:spPr>
+          <a:xfrm>
+            <a:off x="0" y="8685213"/>
+            <a:ext cx="2971800" cy="458787"/>
+          </a:xfrm>
+          <a:prstGeom prst="rect">
+            <a:avLst/>
+          </a:prstGeom>
+        </p:spPr>
+        <p:txBody>
+          <a:bodyPr vert="horz" lIns="91440" tIns="45720" rIns="91440" bIns="45720" rtlCol="0" anchor="b"/>
+          <a:lstStyle>
+            <a:lvl1pPr algn="l">
+              <a:defRPr sz="1200"/>
+            </a:lvl1pPr>
+          </a:lstStyle>
+          <a:p>
+            <a:endParaRPr lang="en-US"/>
+          </a:p>
+        </p:txBody>
+      </p:sp>
+      <p:sp>
+        <p:nvSpPr>
+          <p:cNvPr id="7" name="Slide Number Placeholder 6"/>
+          <p:cNvSpPr>
+            <a:spLocks noGrp="1"/>
+          </p:cNvSpPr>
+          <p:nvPr>
+            <p:ph type="sldNum" sz="quarter" idx="5"/>
+          </p:nvPr>
+        </p:nvSpPr>
+        <p:spPr>
+          <a:xfrm>
+            <a:off x="3884613" y="8685213"/>
+            <a:ext cx="2971800" cy="458787"/>
+          </a:xfrm>
+          <a:prstGeom prst="rect">
+            <a:avLst/>
+          </a:prstGeom>
+        </p:spPr>
+        <p:txBody>
+          <a:bodyPr vert="horz" lIns="91440" tIns="45720" rIns="91440" bIns="45720" rtlCol="0" anchor="b"/>
+          <a:lstStyle>
+            <a:lvl1pPr algn="r">
+              <a:defRPr sz="1200"/>
+            </a:lvl1pPr>
+          </a:lstStyle>
+          <a:p>
+            <a:fld id="{135DCE0F-2EDF-B948-9B99-AC9680F60B4B}" type="slidenum">
+              <a:rPr lang="en-US" smtClean="0"/>
+              <a:t>‹#›</a:t>
+            </a:fld>
+            <a:endParaRPr lang="en-US"/>
+          </a:p>
+        </p:txBody>
+      </p:sp>
+    </p:spTree>
+    <p:extLst>
+      <p:ext uri="{BB962C8B-B14F-4D97-AF65-F5344CB8AC3E}">
+        <p14:creationId xmlns:p14="http://schemas.microsoft.com/office/powerpoint/2010/main" val="1342762302"/>
+      </p:ext>
+    </p:extLst>
+  </p:cSld>
+  <p:clrMap bg1="lt1" tx1="dk1" bg2="lt2" tx2="dk2" accent1="accent1" accent2="accent2" accent3="accent3" accent4="accent4" accent5="accent5" accent6="accent6" hlink="hlink" folHlink="folHlink"/>
+  <p:notesStyle>
+    <a:lvl1pPr marL="0" algn="l" defTabSz="914400" rtl="0" eaLnBrk="1" latinLnBrk="0" hangingPunct="1">
+      <a:defRPr sz="1200" kern="1200">
+        <a:solidFill>
+          <a:schemeClr val="tx1"/>
+        </a:solidFill>
+        <a:latin typeface="+mn-lt"/>
+        <a:ea typeface="+mn-ea"/>
+        <a:cs typeface="+mn-cs"/>
+      </a:defRPr>
+    </a:lvl1pPr>
+    <a:lvl2pPr marL="457200" algn="l" defTabSz="914400" rtl="0" eaLnBrk="1" latinLnBrk="0" hangingPunct="1">
+      <a:defRPr sz="1200" kern="1200">
+        <a:solidFill>
+          <a:schemeClr val="tx1"/>
+        </a:solidFill>
+        <a:latin typeface="+mn-lt"/>
+        <a:ea typeface="+mn-ea"/>
+        <a:cs typeface="+mn-cs"/>
+      </a:defRPr>
+    </a:lvl2pPr>
+    <a:lvl3pPr marL="914400" algn="l" defTabSz="914400" rtl="0" eaLnBrk="1" latinLnBrk="0" hangingPunct="1">
+      <a:defRPr sz="1200" kern="1200">
+        <a:solidFill>
+          <a:schemeClr val="tx1"/>
+        </a:solidFill>
+        <a:latin typeface="+mn-lt"/>
+        <a:ea typeface="+mn-ea"/>
+        <a:cs typeface="+mn-cs"/>
+      </a:defRPr>
+    </a:lvl3pPr>
+    <a:lvl4pPr marL="1371600" algn="l" defTabSz="914400" rtl="0" eaLnBrk="1" latinLnBrk="0" hangingPunct="1">
+      <a:defRPr sz="1200" kern="1200">
+        <a:solidFill>
+          <a:schemeClr val="tx1"/>
+        </a:solidFill>
+        <a:latin typeface="+mn-lt"/>
+        <a:ea typeface="+mn-ea"/>
+        <a:cs typeface="+mn-cs"/>
+      </a:defRPr>
+    </a:lvl4pPr>
+    <a:lvl5pPr marL="1828800" algn="l" defTabSz="914400" rtl="0" eaLnBrk="1" latinLnBrk="0" hangingPunct="1">
+      <a:defRPr sz="1200" kern="1200">
+        <a:solidFill>
+          <a:schemeClr val="tx1"/>
+        </a:solidFill>
+        <a:latin typeface="+mn-lt"/>
+        <a:ea typeface="+mn-ea"/>
+        <a:cs typeface="+mn-cs"/>
+      </a:defRPr>
+    </a:lvl5pPr>
+    <a:lvl6pPr marL="2286000" algn="l" defTabSz="914400" rtl="0" eaLnBrk="1" latinLnBrk="0" hangingPunct="1">
+      <a:defRPr sz="1200" kern="1200">
+        <a:solidFill>
+          <a:schemeClr val="tx1"/>
+        </a:solidFill>
+        <a:latin typeface="+mn-lt"/>
+        <a:ea typeface="+mn-ea"/>
+        <a:cs typeface="+mn-cs"/>
+      </a:defRPr>
+    </a:lvl6pPr>
+    <a:lvl7pPr marL="2743200" algn="l" defTabSz="914400" rtl="0" eaLnBrk="1" latinLnBrk="0" hangingPunct="1">
+      <a:defRPr sz="1200" kern="1200">
+        <a:solidFill>
+          <a:schemeClr val="tx1"/>
+        </a:solidFill>
+        <a:latin typeface="+mn-lt"/>
+        <a:ea typeface="+mn-ea"/>
+        <a:cs typeface="+mn-cs"/>
+      </a:defRPr>
+    </a:lvl7pPr>
+    <a:lvl8pPr marL="3200400" algn="l" defTabSz="914400" rtl="0" eaLnBrk="1" latinLnBrk="0" hangingPunct="1">
+      <a:defRPr sz="1200" kern="1200">
+        <a:solidFill>
+          <a:schemeClr val="tx1"/>
+        </a:solidFill>
+        <a:latin typeface="+mn-lt"/>
+        <a:ea typeface="+mn-ea"/>
+        <a:cs typeface="+mn-cs"/>
+      </a:defRPr>
+    </a:lvl8pPr>
+    <a:lvl9pPr marL="3657600" algn="l" defTabSz="914400" rtl="0" eaLnBrk="1" latinLnBrk="0" hangingPunct="1">
+      <a:defRPr sz="1200" kern="1200">
+        <a:solidFill>
+          <a:schemeClr val="tx1"/>
+        </a:solidFill>
+        <a:latin typeface="+mn-lt"/>
+        <a:ea typeface="+mn-ea"/>
+        <a:cs typeface="+mn-cs"/>
+      </a:defRPr>
+    </a:lvl9pPr>
+  </p:notesStyle>
+</p:notesMaster>
+</file>
+
+<file path=ppt/notesSlides/notesSlide1.xml><?xml version="1.0" encoding="utf-8"?>
+<p:notes xmlns:a="http://schemas.openxmlformats.org/drawingml/2006/main" xmlns:r="http://schemas.openxmlformats.org/officeDocument/2006/relationships" xmlns:p="http://schemas.openxmlformats.org/presentationml/2006/main">
+  <p:cSld>
+    <p:spTree>
+      <p:nvGrpSpPr>
+        <p:cNvPr id="1" name=""/>
+        <p:cNvGrpSpPr/>
+        <p:nvPr/>
+      </p:nvGrpSpPr>
+      <p:grpSpPr>
+        <a:xfrm>
+          <a:off x="0" y="0"/>
+          <a:ext cx="0" cy="0"/>
+          <a:chOff x="0" y="0"/>
+          <a:chExt cx="0" cy="0"/>
+        </a:xfrm>
+      </p:grpSpPr>
+      <p:sp>
+        <p:nvSpPr>
+          <p:cNvPr id="2" name="Slide Image Placeholder 1"/>
+          <p:cNvSpPr>
+            <a:spLocks noGrp="1" noRot="1" noChangeAspect="1"/>
+          </p:cNvSpPr>
+          <p:nvPr>
+            <p:ph type="sldImg"/>
+          </p:nvPr>
+        </p:nvSpPr>
+        <p:spPr/>
+      </p:sp>
+      <p:sp>
+        <p:nvSpPr>
+          <p:cNvPr id="3" name="Notes Placeholder 2"/>
+          <p:cNvSpPr>
+            <a:spLocks noGrp="1"/>
+          </p:cNvSpPr>
+          <p:nvPr>
+            <p:ph type="body" idx="1"/>
+          </p:nvPr>
+        </p:nvSpPr>
+        <p:spPr/>
+        <p:txBody>
+          <a:bodyPr/>
+          <a:lstStyle/>
+          <a:p>
+            <a:endParaRPr lang="en-US"/>
+          </a:p>
+        </p:txBody>
+      </p:sp>
+      <p:sp>
+        <p:nvSpPr>
+          <p:cNvPr id="4" name="Slide Number Placeholder 3"/>
+          <p:cNvSpPr>
+            <a:spLocks noGrp="1"/>
+          </p:cNvSpPr>
+          <p:nvPr>
+            <p:ph type="sldNum" sz="quarter" idx="10"/>
+          </p:nvPr>
+        </p:nvSpPr>
+        <p:spPr/>
+        <p:txBody>
+          <a:bodyPr/>
+          <a:lstStyle/>
+          <a:p>
+            <a:fld id="{135DCE0F-2EDF-B948-9B99-AC9680F60B4B}" type="slidenum">
+              <a:rPr lang="en-US" smtClean="0"/>
+              <a:t>2</a:t>
+            </a:fld>
+            <a:endParaRPr lang="en-US"/>
+          </a:p>
+        </p:txBody>
+      </p:sp>
+    </p:spTree>
+    <p:extLst>
+      <p:ext uri="{BB962C8B-B14F-4D97-AF65-F5344CB8AC3E}">
+        <p14:creationId xmlns:p14="http://schemas.microsoft.com/office/powerpoint/2010/main" val="2047847038"/>
+      </p:ext>
+    </p:extLst>
+  </p:cSld>
+  <p:clrMapOvr>
+    <a:masterClrMapping/>
+  </p:clrMapOvr>
+</p:notes>
+</file>
+
+<file path=ppt/notesSlides/notesSlide2.xml><?xml version="1.0" encoding="utf-8"?>
+<p:notes xmlns:a="http://schemas.openxmlformats.org/drawingml/2006/main" xmlns:r="http://schemas.openxmlformats.org/officeDocument/2006/relationships" xmlns:p="http://schemas.openxmlformats.org/presentationml/2006/main">
+  <p:cSld>
+    <p:spTree>
+      <p:nvGrpSpPr>
+        <p:cNvPr id="1" name=""/>
+        <p:cNvGrpSpPr/>
+        <p:nvPr/>
+      </p:nvGrpSpPr>
+      <p:grpSpPr>
+        <a:xfrm>
+          <a:off x="0" y="0"/>
+          <a:ext cx="0" cy="0"/>
+          <a:chOff x="0" y="0"/>
+          <a:chExt cx="0" cy="0"/>
+        </a:xfrm>
+      </p:grpSpPr>
+      <p:sp>
+        <p:nvSpPr>
+          <p:cNvPr id="2" name="Slide Image Placeholder 1"/>
+          <p:cNvSpPr>
+            <a:spLocks noGrp="1" noRot="1" noChangeAspect="1"/>
+          </p:cNvSpPr>
+          <p:nvPr>
+            <p:ph type="sldImg"/>
+          </p:nvPr>
+        </p:nvSpPr>
+        <p:spPr/>
+      </p:sp>
+      <p:sp>
+        <p:nvSpPr>
+          <p:cNvPr id="3" name="Notes Placeholder 2"/>
+          <p:cNvSpPr>
+            <a:spLocks noGrp="1"/>
+          </p:cNvSpPr>
+          <p:nvPr>
+            <p:ph type="body" idx="1"/>
+          </p:nvPr>
+        </p:nvSpPr>
+        <p:spPr/>
+        <p:txBody>
+          <a:bodyPr/>
+          <a:lstStyle/>
+          <a:p>
+            <a:r>
+              <a:rPr lang="en-US" dirty="0" smtClean="0"/>
+              <a:t>Coupling/Decoupling</a:t>
+            </a:r>
+            <a:r>
+              <a:rPr lang="en-US" baseline="0" dirty="0" smtClean="0"/>
+              <a:t> capacitors at the rail voltages to get rid of the noise from the </a:t>
+            </a:r>
+            <a:r>
+              <a:rPr lang="en-US" baseline="0" dirty="0" err="1" smtClean="0"/>
+              <a:t>powersupply</a:t>
+            </a:r>
+            <a:r>
+              <a:rPr lang="en-US" baseline="0" dirty="0" smtClean="0"/>
+              <a:t>/oscilloscope</a:t>
+            </a:r>
+            <a:endParaRPr lang="en-US" dirty="0"/>
+          </a:p>
+        </p:txBody>
+      </p:sp>
+      <p:sp>
+        <p:nvSpPr>
+          <p:cNvPr id="4" name="Slide Number Placeholder 3"/>
+          <p:cNvSpPr>
+            <a:spLocks noGrp="1"/>
+          </p:cNvSpPr>
+          <p:nvPr>
+            <p:ph type="sldNum" sz="quarter" idx="10"/>
+          </p:nvPr>
+        </p:nvSpPr>
+        <p:spPr/>
+        <p:txBody>
+          <a:bodyPr/>
+          <a:lstStyle/>
+          <a:p>
+            <a:fld id="{135DCE0F-2EDF-B948-9B99-AC9680F60B4B}" type="slidenum">
+              <a:rPr lang="en-US" smtClean="0"/>
+              <a:t>5</a:t>
+            </a:fld>
+            <a:endParaRPr lang="en-US"/>
+          </a:p>
+        </p:txBody>
+      </p:sp>
+    </p:spTree>
+    <p:extLst>
+      <p:ext uri="{BB962C8B-B14F-4D97-AF65-F5344CB8AC3E}">
+        <p14:creationId xmlns:p14="http://schemas.microsoft.com/office/powerpoint/2010/main" val="231424628"/>
+      </p:ext>
+    </p:extLst>
+  </p:cSld>
+  <p:clrMapOvr>
+    <a:masterClrMapping/>
+  </p:clrMapOvr>
+</p:notes>
 </file>
 
 <file path=ppt/slideLayouts/slideLayout1.xml><?xml version="1.0" encoding="utf-8"?>
@@ -2963,14 +3503,11 @@
             </a:r>
             <a:r>
               <a:rPr lang="en-GB" altLang="en-US" dirty="0"/>
-              <a:t/>
-            </a:r>
-            <a:br>
-              <a:rPr lang="en-GB" altLang="en-US" dirty="0"/>
-            </a:br>
+              <a:t> </a:t>
+            </a:r>
             <a:r>
               <a:rPr lang="en-GB" altLang="en-US" dirty="0" smtClean="0"/>
-              <a:t>Coil - buffer</a:t>
+              <a:t>#Coil #buffer</a:t>
             </a:r>
             <a:endParaRPr lang="en-GB" altLang="en-US" dirty="0"/>
           </a:p>
@@ -2986,15 +3523,90 @@
             <p:ph type="body" idx="1"/>
           </p:nvPr>
         </p:nvSpPr>
-        <p:spPr/>
+        <p:spPr>
+          <a:xfrm>
+            <a:off x="330200" y="1988840"/>
+            <a:ext cx="8489950" cy="4680519"/>
+          </a:xfrm>
+        </p:spPr>
         <p:txBody>
           <a:bodyPr/>
           <a:lstStyle/>
           <a:p>
+            <a:r>
+              <a:rPr lang="en-GB" altLang="en-US" dirty="0" smtClean="0"/>
+              <a:t>Plastic coil ~ current transformer 😐</a:t>
+            </a:r>
+          </a:p>
+          <a:p>
+            <a:r>
+              <a:rPr lang="en-GB" altLang="en-US" dirty="0" smtClean="0"/>
+              <a:t>Coiling wire ~ antennae 😃</a:t>
+            </a:r>
             <a:endParaRPr lang="en-GB" altLang="en-US" dirty="0"/>
           </a:p>
         </p:txBody>
       </p:sp>
+      <p:pic>
+        <p:nvPicPr>
+          <p:cNvPr id="2" name="Picture 1"/>
+          <p:cNvPicPr>
+            <a:picLocks noChangeAspect="1"/>
+          </p:cNvPicPr>
+          <p:nvPr/>
+        </p:nvPicPr>
+        <p:blipFill>
+          <a:blip r:embed="rId3">
+            <a:extLst>
+              <a:ext uri="{28A0092B-C50C-407E-A947-70E740481C1C}">
+                <a14:useLocalDpi xmlns:a14="http://schemas.microsoft.com/office/drawing/2010/main" val="0"/>
+              </a:ext>
+            </a:extLst>
+          </a:blip>
+          <a:stretch>
+            <a:fillRect/>
+          </a:stretch>
+        </p:blipFill>
+        <p:spPr>
+          <a:xfrm>
+            <a:off x="1641103" y="5006479"/>
+            <a:ext cx="5868144" cy="1874848"/>
+          </a:xfrm>
+          <a:prstGeom prst="rect">
+            <a:avLst/>
+          </a:prstGeom>
+        </p:spPr>
+      </p:pic>
+      <p:pic>
+        <p:nvPicPr>
+          <p:cNvPr id="3" name="Picture 2"/>
+          <p:cNvPicPr>
+            <a:picLocks noChangeAspect="1"/>
+          </p:cNvPicPr>
+          <p:nvPr/>
+        </p:nvPicPr>
+        <p:blipFill>
+          <a:blip r:embed="rId4">
+            <a:extLst>
+              <a:ext uri="{28A0092B-C50C-407E-A947-70E740481C1C}">
+                <a14:useLocalDpi xmlns:a14="http://schemas.microsoft.com/office/drawing/2010/main" val="0"/>
+              </a:ext>
+            </a:extLst>
+          </a:blip>
+          <a:stretch>
+            <a:fillRect/>
+          </a:stretch>
+        </p:blipFill>
+        <p:spPr>
+          <a:xfrm>
+            <a:off x="612707" y="3232085"/>
+            <a:ext cx="7924936" cy="1651028"/>
+          </a:xfrm>
+          <a:prstGeom prst="rect">
+            <a:avLst/>
+          </a:prstGeom>
+        </p:spPr>
+      </p:pic>
     </p:spTree>
   </p:cSld>
   <p:clrMapOvr>
@@ -3103,8 +3715,8 @@
         </p:blipFill>
         <p:spPr>
           <a:xfrm>
-            <a:off x="347039" y="3621087"/>
-            <a:ext cx="4064000" cy="3048000"/>
+            <a:off x="660295" y="3613910"/>
+            <a:ext cx="4063999" cy="3048000"/>
           </a:xfrm>
           <a:prstGeom prst="rect">
             <a:avLst/>
@@ -3230,6 +3842,13 @@
   <p:clrMapOvr>
     <a:masterClrMapping/>
   </p:clrMapOvr>
+  <p:timing>
+    <p:tnLst>
+      <p:par>
+        <p:cTn id="1" dur="indefinite" restart="never" nodeType="tmRoot"/>
+      </p:par>
+    </p:tnLst>
+  </p:timing>
 </p:sld>
 </file>
 
@@ -4124,4 +4743,265 @@
     </a:ext>
   </a:extLst>
 </a:theme>
+</file>
+
+<file path=ppt/theme/theme2.xml><?xml version="1.0" encoding="utf-8"?>
+<a:theme xmlns:a="http://schemas.openxmlformats.org/drawingml/2006/main" name="Office Theme">
+  <a:themeElements>
+    <a:clrScheme name="Office">
+      <a:dk1>
+        <a:sysClr val="windowText" lastClr="000000"/>
+      </a:dk1>
+      <a:lt1>
+        <a:sysClr val="window" lastClr="FFFFFF"/>
+      </a:lt1>
+      <a:dk2>
+        <a:srgbClr val="44546A"/>
+      </a:dk2>
+      <a:lt2>
+        <a:srgbClr val="E7E6E6"/>
+      </a:lt2>
+      <a:accent1>
+        <a:srgbClr val="5B9BD5"/>
+      </a:accent1>
+      <a:accent2>
+        <a:srgbClr val="ED7D31"/>
+      </a:accent2>
+      <a:accent3>
+        <a:srgbClr val="A5A5A5"/>
+      </a:accent3>
+      <a:accent4>
+        <a:srgbClr val="FFC000"/>
+      </a:accent4>
+      <a:accent5>
+        <a:srgbClr val="4472C4"/>
+      </a:accent5>
+      <a:accent6>
+        <a:srgbClr val="70AD47"/>
+      </a:accent6>
+      <a:hlink>
+        <a:srgbClr val="0563C1"/>
+      </a:hlink>
+      <a:folHlink>
+        <a:srgbClr val="954F72"/>
+      </a:folHlink>
+    </a:clrScheme>
+    <a:fontScheme name="Office">
+      <a:majorFont>
+        <a:latin typeface="Calibri Light" panose="020F0302020204030204"/>
+        <a:ea typeface=""/>
+        <a:cs typeface=""/>
+        <a:font script="Jpan" typeface="Yu Gothic Light"/>
+        <a:font script="Hang" typeface="맑은 고딕"/>
+        <a:font script="Hans" typeface="DengXian Light"/>
+        <a:font script="Hant" typeface="新細明體"/>
+        <a:font script="Arab" typeface="Times New Roman"/>
+        <a:font script="Hebr" typeface="Times New Roman"/>
+        <a:font script="Thai" typeface="Angsana New"/>
+        <a:font script="Ethi" typeface="Nyala"/>
+        <a:font script="Beng" typeface="Vrinda"/>
+        <a:font script="Gujr" typeface="Shruti"/>
+        <a:font script="Khmr" typeface="MoolBoran"/>
+        <a:font script="Knda" typeface="Tunga"/>
+        <a:font script="Guru" typeface="Raavi"/>
+        <a:font script="Cans" typeface="Euphemia"/>
+        <a:font script="Cher" typeface="Plantagenet Cherokee"/>
+        <a:font script="Yiii" typeface="Microsoft Yi Baiti"/>
+        <a:font script="Tibt" typeface="Microsoft Himalaya"/>
+        <a:font script="Thaa" typeface="MV Boli"/>
+        <a:font script="Deva" typeface="Mangal"/>
+        <a:font script="Telu" typeface="Gautami"/>
+        <a:font script="Taml" typeface="Latha"/>
+        <a:font script="Syrc" typeface="Estrangelo Edessa"/>
+        <a:font script="Orya" typeface="Kalinga"/>
+        <a:font script="Mlym" typeface="Kartika"/>
+        <a:font script="Laoo" typeface="DokChampa"/>
+        <a:font script="Sinh" typeface="Iskoola Pota"/>
+        <a:font script="Mong" typeface="Mongolian Baiti"/>
+        <a:font script="Viet" typeface="Times New Roman"/>
+        <a:font script="Uigh" typeface="Microsoft Uighur"/>
+        <a:font script="Geor" typeface="Sylfaen"/>
+      </a:majorFont>
+      <a:minorFont>
+        <a:latin typeface="Calibri" panose="020F0502020204030204"/>
+        <a:ea typeface=""/>
+        <a:cs typeface=""/>
+        <a:font script="Jpan" typeface="Yu Gothic"/>
+        <a:font script="Hang" typeface="맑은 고딕"/>
+        <a:font script="Hans" typeface="DengXian"/>
+        <a:font script="Hant" typeface="新細明體"/>
+        <a:font script="Arab" typeface="Arial"/>
+        <a:font script="Hebr" typeface="Arial"/>
+        <a:font script="Thai" typeface="Cordia New"/>
+        <a:font script="Ethi" typeface="Nyala"/>
+        <a:font script="Beng" typeface="Vrinda"/>
+        <a:font script="Gujr" typeface="Shruti"/>
+        <a:font script="Khmr" typeface="DaunPenh"/>
+        <a:font script="Knda" typeface="Tunga"/>
+        <a:font script="Guru" typeface="Raavi"/>
+        <a:font script="Cans" typeface="Euphemia"/>
+        <a:font script="Cher" typeface="Plantagenet Cherokee"/>
+        <a:font script="Yiii" typeface="Microsoft Yi Baiti"/>
+        <a:font script="Tibt" typeface="Microsoft Himalaya"/>
+        <a:font script="Thaa" typeface="MV Boli"/>
+        <a:font script="Deva" typeface="Mangal"/>
+        <a:font script="Telu" typeface="Gautami"/>
+        <a:font script="Taml" typeface="Latha"/>
+        <a:font script="Syrc" typeface="Estrangelo Edessa"/>
+        <a:font script="Orya" typeface="Kalinga"/>
+        <a:font script="Mlym" typeface="Kartika"/>
+        <a:font script="Laoo" typeface="DokChampa"/>
+        <a:font script="Sinh" typeface="Iskoola Pota"/>
+        <a:font script="Mong" typeface="Mongolian Baiti"/>
+        <a:font script="Viet" typeface="Arial"/>
+        <a:font script="Uigh" typeface="Microsoft Uighur"/>
+        <a:font script="Geor" typeface="Sylfaen"/>
+      </a:minorFont>
+    </a:fontScheme>
+    <a:fmtScheme name="Office">
+      <a:fillStyleLst>
+        <a:solidFill>
+          <a:schemeClr val="phClr"/>
+        </a:solidFill>
+        <a:gradFill rotWithShape="1">
+          <a:gsLst>
+            <a:gs pos="0">
+              <a:schemeClr val="phClr">
+                <a:lumMod val="110000"/>
+                <a:satMod val="105000"/>
+                <a:tint val="67000"/>
+              </a:schemeClr>
+            </a:gs>
+            <a:gs pos="50000">
+              <a:schemeClr val="phClr">
+                <a:lumMod val="105000"/>
+                <a:satMod val="103000"/>
+                <a:tint val="73000"/>
+              </a:schemeClr>
+            </a:gs>
+            <a:gs pos="100000">
+              <a:schemeClr val="phClr">
+                <a:lumMod val="105000"/>
+                <a:satMod val="109000"/>
+                <a:tint val="81000"/>
+              </a:schemeClr>
+            </a:gs>
+          </a:gsLst>
+          <a:lin ang="5400000" scaled="0"/>
+        </a:gradFill>
+        <a:gradFill rotWithShape="1">
+          <a:gsLst>
+            <a:gs pos="0">
+              <a:schemeClr val="phClr">
+                <a:satMod val="103000"/>
+                <a:lumMod val="102000"/>
+                <a:tint val="94000"/>
+              </a:schemeClr>
+            </a:gs>
+            <a:gs pos="50000">
+              <a:schemeClr val="phClr">
+                <a:satMod val="110000"/>
+                <a:lumMod val="100000"/>
+                <a:shade val="100000"/>
+              </a:schemeClr>
+            </a:gs>
+            <a:gs pos="100000">
+              <a:schemeClr val="phClr">
+                <a:lumMod val="99000"/>
+                <a:satMod val="120000"/>
+                <a:shade val="78000"/>
+              </a:schemeClr>
+            </a:gs>
+          </a:gsLst>
+          <a:lin ang="5400000" scaled="0"/>
+        </a:gradFill>
+      </a:fillStyleLst>
+      <a:lnStyleLst>
+        <a:ln w="6350" cap="flat" cmpd="sng" algn="ctr">
+          <a:solidFill>
+            <a:schemeClr val="phClr"/>
+          </a:solidFill>
+          <a:prstDash val="solid"/>
+          <a:miter lim="800000"/>
+        </a:ln>
+        <a:ln w="12700" cap="flat" cmpd="sng" algn="ctr">
+          <a:solidFill>
+            <a:schemeClr val="phClr"/>
+          </a:solidFill>
+          <a:prstDash val="solid"/>
+          <a:miter lim="800000"/>
+        </a:ln>
+        <a:ln w="19050" cap="flat" cmpd="sng" algn="ctr">
+          <a:solidFill>
+            <a:schemeClr val="phClr"/>
+          </a:solidFill>
+          <a:prstDash val="solid"/>
+          <a:miter lim="800000"/>
+        </a:ln>
+      </a:lnStyleLst>
+      <a:effectStyleLst>
+        <a:effectStyle>
+          <a:effectLst/>
+        </a:effectStyle>
+        <a:effectStyle>
+          <a:effectLst/>
+        </a:effectStyle>
+        <a:effectStyle>
+          <a:effectLst>
+            <a:outerShdw blurRad="57150" dist="19050" dir="5400000" algn="ctr" rotWithShape="0">
+              <a:srgbClr val="000000">
+                <a:alpha val="63000"/>
+              </a:srgbClr>
+            </a:outerShdw>
+          </a:effectLst>
+        </a:effectStyle>
+      </a:effectStyleLst>
+      <a:bgFillStyleLst>
+        <a:solidFill>
+          <a:schemeClr val="phClr"/>
+        </a:solidFill>
+        <a:solidFill>
+          <a:schemeClr val="phClr">
+            <a:tint val="95000"/>
+            <a:satMod val="170000"/>
+          </a:schemeClr>
+        </a:solidFill>
+        <a:gradFill rotWithShape="1">
+          <a:gsLst>
+            <a:gs pos="0">
+              <a:schemeClr val="phClr">
+                <a:tint val="93000"/>
+                <a:satMod val="150000"/>
+                <a:shade val="98000"/>
+                <a:lumMod val="102000"/>
+              </a:schemeClr>
+            </a:gs>
+            <a:gs pos="50000">
+              <a:schemeClr val="phClr">
+                <a:tint val="98000"/>
+                <a:satMod val="130000"/>
+                <a:shade val="90000"/>
+                <a:lumMod val="103000"/>
+              </a:schemeClr>
+            </a:gs>
+            <a:gs pos="100000">
+              <a:schemeClr val="phClr">
+                <a:shade val="63000"/>
+                <a:satMod val="120000"/>
+              </a:schemeClr>
+            </a:gs>
+          </a:gsLst>
+          <a:lin ang="5400000" scaled="0"/>
+        </a:gradFill>
+      </a:bgFillStyleLst>
+    </a:fmtScheme>
+  </a:themeElements>
+  <a:objectDefaults/>
+  <a:extraClrSchemeLst/>
+  <a:extLst>
+    <a:ext uri="{05A4C25C-085E-4340-85A3-A5531E510DB2}">
+      <thm15:themeFamily xmlns:thm15="http://schemas.microsoft.com/office/thememl/2012/main" name="Office Theme" id="{62F939B6-93AF-4DB8-9C6B-D6C7DFDC589F}" vid="{4A3C46E8-61CC-4603-A589-7422A47A8E4A}"/>
+    </a:ext>
+  </a:extLst>
+</a:theme>
 </file>
--- a/docs/ppt.pptx
+++ b/docs/ppt.pptx
@@ -5,7 +5,7 @@
     <p:sldMasterId id="2147483649" r:id="rId1"/>
   </p:sldMasterIdLst>
   <p:notesMasterIdLst>
-    <p:notesMasterId r:id="rId7"/>
+    <p:notesMasterId r:id="rId8"/>
   </p:notesMasterIdLst>
   <p:sldIdLst>
     <p:sldId id="256" r:id="rId2"/>
@@ -13,6 +13,7 @@
     <p:sldId id="258" r:id="rId4"/>
     <p:sldId id="259" r:id="rId5"/>
     <p:sldId id="260" r:id="rId6"/>
+    <p:sldId id="261" r:id="rId7"/>
   </p:sldIdLst>
   <p:sldSz cx="9144000" cy="6858000" type="screen4x3"/>
   <p:notesSz cx="6858000" cy="9144000"/>
@@ -587,7 +588,107 @@
           <a:bodyPr/>
           <a:lstStyle/>
           <a:p>
+            <a:r>
+              <a:rPr lang="en-US" dirty="0" smtClean="0"/>
+              <a:t>Explain overall context and what we are trying</a:t>
+            </a:r>
+            <a:r>
+              <a:rPr lang="en-US" baseline="0" dirty="0" smtClean="0"/>
+              <a:t> to achieve , add flowchart ? </a:t>
+            </a:r>
+            <a:endParaRPr lang="en-US" dirty="0"/>
+          </a:p>
+        </p:txBody>
+      </p:sp>
+      <p:sp>
+        <p:nvSpPr>
+          <p:cNvPr id="4" name="Slide Number Placeholder 3"/>
+          <p:cNvSpPr>
+            <a:spLocks noGrp="1"/>
+          </p:cNvSpPr>
+          <p:nvPr>
+            <p:ph type="sldNum" sz="quarter" idx="10"/>
+          </p:nvPr>
+        </p:nvSpPr>
+        <p:spPr/>
+        <p:txBody>
+          <a:bodyPr/>
+          <a:lstStyle/>
+          <a:p>
+            <a:fld id="{135DCE0F-2EDF-B948-9B99-AC9680F60B4B}" type="slidenum">
+              <a:rPr lang="en-US" smtClean="0"/>
+              <a:t>1</a:t>
+            </a:fld>
             <a:endParaRPr lang="en-US"/>
+          </a:p>
+        </p:txBody>
+      </p:sp>
+    </p:spTree>
+    <p:extLst>
+      <p:ext uri="{BB962C8B-B14F-4D97-AF65-F5344CB8AC3E}">
+        <p14:creationId xmlns:p14="http://schemas.microsoft.com/office/powerpoint/2010/main" val="92093357"/>
+      </p:ext>
+    </p:extLst>
+  </p:cSld>
+  <p:clrMapOvr>
+    <a:masterClrMapping/>
+  </p:clrMapOvr>
+</p:notes>
+</file>
+
+<file path=ppt/notesSlides/notesSlide2.xml><?xml version="1.0" encoding="utf-8"?>
+<p:notes xmlns:a="http://schemas.openxmlformats.org/drawingml/2006/main" xmlns:r="http://schemas.openxmlformats.org/officeDocument/2006/relationships" xmlns:p="http://schemas.openxmlformats.org/presentationml/2006/main">
+  <p:cSld>
+    <p:spTree>
+      <p:nvGrpSpPr>
+        <p:cNvPr id="1" name=""/>
+        <p:cNvGrpSpPr/>
+        <p:nvPr/>
+      </p:nvGrpSpPr>
+      <p:grpSpPr>
+        <a:xfrm>
+          <a:off x="0" y="0"/>
+          <a:ext cx="0" cy="0"/>
+          <a:chOff x="0" y="0"/>
+          <a:chExt cx="0" cy="0"/>
+        </a:xfrm>
+      </p:grpSpPr>
+      <p:sp>
+        <p:nvSpPr>
+          <p:cNvPr id="2" name="Slide Image Placeholder 1"/>
+          <p:cNvSpPr>
+            <a:spLocks noGrp="1" noRot="1" noChangeAspect="1"/>
+          </p:cNvSpPr>
+          <p:nvPr>
+            <p:ph type="sldImg"/>
+          </p:nvPr>
+        </p:nvSpPr>
+        <p:spPr/>
+      </p:sp>
+      <p:sp>
+        <p:nvSpPr>
+          <p:cNvPr id="3" name="Notes Placeholder 2"/>
+          <p:cNvSpPr>
+            <a:spLocks noGrp="1"/>
+          </p:cNvSpPr>
+          <p:nvPr>
+            <p:ph type="body" idx="1"/>
+          </p:nvPr>
+        </p:nvSpPr>
+        <p:spPr/>
+        <p:txBody>
+          <a:bodyPr/>
+          <a:lstStyle/>
+          <a:p>
+            <a:r>
+              <a:rPr lang="en-US" dirty="0" smtClean="0"/>
+              <a:t>Coiling the wire</a:t>
+            </a:r>
+            <a:r>
+              <a:rPr lang="en-US" baseline="0" dirty="0" smtClean="0"/>
+              <a:t> – explain the black box way + antenna hence no grounding + need or impedance matching + only presence of AC signals </a:t>
+            </a:r>
+            <a:endParaRPr lang="en-US" dirty="0"/>
           </a:p>
         </p:txBody>
       </p:sp>
@@ -627,7 +728,139 @@
 </p:notes>
 </file>
 
-<file path=ppt/notesSlides/notesSlide2.xml><?xml version="1.0" encoding="utf-8"?>
+<file path=ppt/notesSlides/notesSlide3.xml><?xml version="1.0" encoding="utf-8"?>
+<p:notes xmlns:a="http://schemas.openxmlformats.org/drawingml/2006/main" xmlns:r="http://schemas.openxmlformats.org/officeDocument/2006/relationships" xmlns:p="http://schemas.openxmlformats.org/presentationml/2006/main">
+  <p:cSld>
+    <p:spTree>
+      <p:nvGrpSpPr>
+        <p:cNvPr id="1" name=""/>
+        <p:cNvGrpSpPr/>
+        <p:nvPr/>
+      </p:nvGrpSpPr>
+      <p:grpSpPr>
+        <a:xfrm>
+          <a:off x="0" y="0"/>
+          <a:ext cx="0" cy="0"/>
+          <a:chOff x="0" y="0"/>
+          <a:chExt cx="0" cy="0"/>
+        </a:xfrm>
+      </p:grpSpPr>
+      <p:sp>
+        <p:nvSpPr>
+          <p:cNvPr id="2" name="Slide Image Placeholder 1"/>
+          <p:cNvSpPr>
+            <a:spLocks noGrp="1" noRot="1" noChangeAspect="1"/>
+          </p:cNvSpPr>
+          <p:nvPr>
+            <p:ph type="sldImg"/>
+          </p:nvPr>
+        </p:nvSpPr>
+        <p:spPr/>
+      </p:sp>
+      <p:sp>
+        <p:nvSpPr>
+          <p:cNvPr id="3" name="Notes Placeholder 2"/>
+          <p:cNvSpPr>
+            <a:spLocks noGrp="1"/>
+          </p:cNvSpPr>
+          <p:nvPr>
+            <p:ph type="body" idx="1"/>
+          </p:nvPr>
+        </p:nvSpPr>
+        <p:spPr/>
+        <p:txBody>
+          <a:bodyPr/>
+          <a:lstStyle/>
+          <a:p>
+            <a:r>
+              <a:rPr lang="en-US" dirty="0" smtClean="0"/>
+              <a:t>Oscilloscope output + </a:t>
+            </a:r>
+            <a:r>
+              <a:rPr lang="en-US" baseline="0" dirty="0" smtClean="0"/>
+              <a:t>bode plot + system diagram with only </a:t>
+            </a:r>
+            <a:r>
+              <a:rPr lang="en-US" baseline="0" dirty="0" err="1" smtClean="0"/>
+              <a:t>bandpass</a:t>
+            </a:r>
+            <a:r>
+              <a:rPr lang="en-US" baseline="0" dirty="0" smtClean="0"/>
+              <a:t> (2</a:t>
+            </a:r>
+            <a:r>
+              <a:rPr lang="en-US" baseline="30000" dirty="0" smtClean="0"/>
+              <a:t>nd</a:t>
+            </a:r>
+            <a:r>
+              <a:rPr lang="en-US" baseline="0" dirty="0" smtClean="0"/>
+              <a:t> order </a:t>
+            </a:r>
+            <a:r>
+              <a:rPr lang="en-US" baseline="0" dirty="0" err="1" smtClean="0"/>
+              <a:t>highpass</a:t>
+            </a:r>
+            <a:r>
+              <a:rPr lang="en-US" baseline="0" dirty="0" smtClean="0"/>
+              <a:t> +2</a:t>
+            </a:r>
+            <a:r>
+              <a:rPr lang="en-US" baseline="30000" dirty="0" smtClean="0"/>
+              <a:t>nd</a:t>
+            </a:r>
+            <a:r>
+              <a:rPr lang="en-US" baseline="0" dirty="0" smtClean="0"/>
+              <a:t> order </a:t>
+            </a:r>
+            <a:r>
+              <a:rPr lang="en-US" baseline="0" dirty="0" err="1" smtClean="0"/>
+              <a:t>lowpass</a:t>
+            </a:r>
+            <a:r>
+              <a:rPr lang="en-US" baseline="0" dirty="0" smtClean="0"/>
+              <a:t> )</a:t>
+            </a:r>
+            <a:endParaRPr lang="en-US" dirty="0"/>
+          </a:p>
+        </p:txBody>
+      </p:sp>
+      <p:sp>
+        <p:nvSpPr>
+          <p:cNvPr id="4" name="Slide Number Placeholder 3"/>
+          <p:cNvSpPr>
+            <a:spLocks noGrp="1"/>
+          </p:cNvSpPr>
+          <p:nvPr>
+            <p:ph type="sldNum" sz="quarter" idx="10"/>
+          </p:nvPr>
+        </p:nvSpPr>
+        <p:spPr/>
+        <p:txBody>
+          <a:bodyPr/>
+          <a:lstStyle/>
+          <a:p>
+            <a:fld id="{135DCE0F-2EDF-B948-9B99-AC9680F60B4B}" type="slidenum">
+              <a:rPr lang="en-US" smtClean="0"/>
+              <a:t>3</a:t>
+            </a:fld>
+            <a:endParaRPr lang="en-US"/>
+          </a:p>
+        </p:txBody>
+      </p:sp>
+    </p:spTree>
+    <p:extLst>
+      <p:ext uri="{BB962C8B-B14F-4D97-AF65-F5344CB8AC3E}">
+        <p14:creationId xmlns:p14="http://schemas.microsoft.com/office/powerpoint/2010/main" val="1322050742"/>
+      </p:ext>
+    </p:extLst>
+  </p:cSld>
+  <p:clrMapOvr>
+    <a:masterClrMapping/>
+  </p:clrMapOvr>
+</p:notes>
+</file>
+
+<file path=ppt/notesSlides/notesSlide4.xml><?xml version="1.0" encoding="utf-8"?>
 <p:notes xmlns:a="http://schemas.openxmlformats.org/drawingml/2006/main" xmlns:r="http://schemas.openxmlformats.org/officeDocument/2006/relationships" xmlns:p="http://schemas.openxmlformats.org/presentationml/2006/main">
   <p:cSld>
     <p:spTree>
@@ -3446,10 +3679,60 @@
           <a:bodyPr/>
           <a:lstStyle/>
           <a:p>
+            <a:r>
+              <a:rPr lang="en-GB" altLang="en-US" dirty="0" smtClean="0"/>
+              <a:t>Context and </a:t>
+            </a:r>
+            <a:r>
+              <a:rPr lang="en-GB" altLang="en-US" dirty="0"/>
+              <a:t>O</a:t>
+            </a:r>
+            <a:r>
+              <a:rPr lang="en-GB" altLang="en-US" dirty="0" smtClean="0"/>
+              <a:t>verall </a:t>
+            </a:r>
+            <a:r>
+              <a:rPr lang="en-GB" altLang="en-US" dirty="0"/>
+              <a:t>S</a:t>
+            </a:r>
+            <a:r>
+              <a:rPr lang="en-GB" altLang="en-US" dirty="0" smtClean="0"/>
+              <a:t>ystem Diagram  </a:t>
+            </a:r>
             <a:endParaRPr lang="en-GB" altLang="en-US" dirty="0"/>
           </a:p>
         </p:txBody>
       </p:sp>
+      <p:pic>
+        <p:nvPicPr>
+          <p:cNvPr id="2" name="Picture 1"/>
+          <p:cNvPicPr>
+            <a:picLocks noChangeAspect="1"/>
+          </p:cNvPicPr>
+          <p:nvPr/>
+        </p:nvPicPr>
+        <p:blipFill>
+          <a:blip r:embed="rId3">
+            <a:extLst>
+              <a:ext uri="{28A0092B-C50C-407E-A947-70E740481C1C}">
+                <a14:useLocalDpi xmlns:a14="http://schemas.microsoft.com/office/drawing/2010/main" val="0"/>
+              </a:ext>
+            </a:extLst>
+          </a:blip>
+          <a:stretch>
+            <a:fillRect/>
+          </a:stretch>
+        </p:blipFill>
+        <p:spPr>
+          <a:xfrm>
+            <a:off x="249437" y="4149080"/>
+            <a:ext cx="8894563" cy="1853034"/>
+          </a:xfrm>
+          <a:prstGeom prst="rect">
+            <a:avLst/>
+          </a:prstGeom>
+        </p:spPr>
+      </p:pic>
     </p:spTree>
   </p:cSld>
   <p:clrMapOvr>
@@ -3499,15 +3782,27 @@
           <a:p>
             <a:r>
               <a:rPr lang="en-GB" altLang="en-US" dirty="0" smtClean="0"/>
-              <a:t>Extracting the signal #Fleming #Faraday</a:t>
+              <a:t>Extracting the signal </a:t>
+            </a:r>
+            <a:r>
+              <a:rPr lang="en-GB" altLang="en-US" dirty="0" smtClean="0"/>
+              <a:t> </a:t>
             </a:r>
             <a:r>
               <a:rPr lang="en-GB" altLang="en-US" dirty="0"/>
-              <a:t> </a:t>
+              <a:t>(</a:t>
             </a:r>
             <a:r>
               <a:rPr lang="en-GB" altLang="en-US" dirty="0" smtClean="0"/>
-              <a:t>#Coil #buffer</a:t>
+              <a:t>Coil </a:t>
+            </a:r>
+            <a:r>
+              <a:rPr lang="en-GB" altLang="en-US" dirty="0" smtClean="0"/>
+              <a:t>and </a:t>
+            </a:r>
+            <a:r>
+              <a:rPr lang="en-GB" altLang="en-US" dirty="0" smtClean="0"/>
+              <a:t>buffer stage)</a:t>
             </a:r>
             <a:endParaRPr lang="en-GB" altLang="en-US" dirty="0"/>
           </a:p>
@@ -3534,22 +3829,30 @@
           <a:lstStyle/>
           <a:p>
             <a:r>
-              <a:rPr lang="en-GB" altLang="en-US" dirty="0" smtClean="0"/>
-              <a:t>Plastic coil ~ current transformer 😐</a:t>
-            </a:r>
-          </a:p>
-          <a:p>
-            <a:r>
-              <a:rPr lang="en-GB" altLang="en-US" dirty="0" smtClean="0"/>
-              <a:t>Coiling wire ~ antennae 😃</a:t>
-            </a:r>
-            <a:endParaRPr lang="en-GB" altLang="en-US" dirty="0"/>
+              <a:rPr lang="en-GB" altLang="en-US" sz="2400" dirty="0" smtClean="0"/>
+              <a:t>Coiling the </a:t>
+            </a:r>
+            <a:r>
+              <a:rPr lang="en-GB" altLang="en-US" sz="2400" dirty="0" smtClean="0"/>
+              <a:t>wire </a:t>
+            </a:r>
+            <a:r>
+              <a:rPr lang="en-GB" altLang="en-US" sz="2400" dirty="0" smtClean="0"/>
+              <a:t>(twisted-parallel as by Faraday’s Law)</a:t>
+            </a:r>
+          </a:p>
+          <a:p>
+            <a:r>
+              <a:rPr lang="en-GB" altLang="en-US" sz="2400" dirty="0" smtClean="0"/>
+              <a:t>Impedance matching using a high input impedance Buffer (MOSFET 365 OP-AMP) </a:t>
+            </a:r>
+            <a:endParaRPr lang="en-GB" altLang="en-US" sz="2400" dirty="0"/>
           </a:p>
         </p:txBody>
       </p:sp>
       <p:pic>
         <p:nvPicPr>
-          <p:cNvPr id="2" name="Picture 1"/>
+          <p:cNvPr id="4" name="Picture 3"/>
           <p:cNvPicPr>
             <a:picLocks noChangeAspect="1"/>
           </p:cNvPicPr>
@@ -3569,8 +3872,8 @@
         </p:blipFill>
         <p:spPr>
           <a:xfrm>
-            <a:off x="1641103" y="5006479"/>
-            <a:ext cx="5868144" cy="1874848"/>
+            <a:off x="6660232" y="3889679"/>
+            <a:ext cx="1247775" cy="1524000"/>
           </a:xfrm>
           <a:prstGeom prst="rect">
             <a:avLst/>
@@ -3579,14 +3882,12 @@
       </p:pic>
       <p:pic>
         <p:nvPicPr>
-          <p:cNvPr id="3" name="Picture 2"/>
-          <p:cNvPicPr>
-            <a:picLocks noChangeAspect="1"/>
-          </p:cNvPicPr>
+          <p:cNvPr id="8" name="Picture 7"/>
+          <p:cNvPicPr/>
           <p:nvPr/>
         </p:nvPicPr>
         <p:blipFill>
-          <a:blip r:embed="rId4">
+          <a:blip r:embed="rId4" cstate="print">
             <a:extLst>
               <a:ext uri="{28A0092B-C50C-407E-A947-70E740481C1C}">
                 <a14:useLocalDpi xmlns:a14="http://schemas.microsoft.com/office/drawing/2010/main" val="0"/>
@@ -3599,14 +3900,121 @@
         </p:blipFill>
         <p:spPr>
           <a:xfrm>
-            <a:off x="612707" y="3232085"/>
-            <a:ext cx="7924936" cy="1651028"/>
+            <a:off x="899592" y="4329099"/>
+            <a:ext cx="4037965" cy="645160"/>
           </a:xfrm>
           <a:prstGeom prst="rect">
             <a:avLst/>
           </a:prstGeom>
         </p:spPr>
       </p:pic>
+      <p:sp>
+        <p:nvSpPr>
+          <p:cNvPr id="6" name="Striped Right Arrow 5"/>
+          <p:cNvSpPr/>
+          <p:nvPr/>
+        </p:nvSpPr>
+        <p:spPr>
+          <a:xfrm>
+            <a:off x="5042810" y="4362918"/>
+            <a:ext cx="1512168" cy="577521"/>
+          </a:xfrm>
+          <a:prstGeom prst="stripedRightArrow">
+            <a:avLst/>
+          </a:prstGeom>
+          <a:solidFill>
+            <a:srgbClr val="0070C0"/>
+          </a:solidFill>
+        </p:spPr>
+        <p:style>
+          <a:lnRef idx="2">
+            <a:schemeClr val="accent1">
+              <a:shade val="50000"/>
+            </a:schemeClr>
+          </a:lnRef>
+          <a:fillRef idx="1">
+            <a:schemeClr val="accent1"/>
+          </a:fillRef>
+          <a:effectRef idx="0">
+            <a:schemeClr val="accent1"/>
+          </a:effectRef>
+          <a:fontRef idx="minor">
+            <a:schemeClr val="lt1"/>
+          </a:fontRef>
+        </p:style>
+        <p:txBody>
+          <a:bodyPr rtlCol="0" anchor="ctr"/>
+          <a:lstStyle/>
+          <a:p>
+            <a:pPr algn="ctr"/>
+            <a:endParaRPr lang="en-US"/>
+          </a:p>
+        </p:txBody>
+      </p:sp>
+      <p:sp>
+        <p:nvSpPr>
+          <p:cNvPr id="7" name="TextBox 6"/>
+          <p:cNvSpPr txBox="1"/>
+          <p:nvPr/>
+        </p:nvSpPr>
+        <p:spPr>
+          <a:xfrm>
+            <a:off x="851341" y="4974259"/>
+            <a:ext cx="4134465" cy="369332"/>
+          </a:xfrm>
+          <a:prstGeom prst="rect">
+            <a:avLst/>
+          </a:prstGeom>
+          <a:noFill/>
+        </p:spPr>
+        <p:txBody>
+          <a:bodyPr wrap="none" rtlCol="0">
+            <a:spAutoFit/>
+          </a:bodyPr>
+          <a:lstStyle/>
+          <a:p>
+            <a:r>
+              <a:rPr lang="en-US" dirty="0" smtClean="0"/>
+              <a:t>Fig.1 Parallel wiring to </a:t>
+            </a:r>
+            <a:r>
+              <a:rPr lang="en-US" smtClean="0"/>
+              <a:t>internal cabling </a:t>
+            </a:r>
+            <a:endParaRPr lang="en-US" dirty="0"/>
+          </a:p>
+        </p:txBody>
+      </p:sp>
+      <p:sp>
+        <p:nvSpPr>
+          <p:cNvPr id="9" name="TextBox 8"/>
+          <p:cNvSpPr txBox="1"/>
+          <p:nvPr/>
+        </p:nvSpPr>
+        <p:spPr>
+          <a:xfrm>
+            <a:off x="6565492" y="5416802"/>
+            <a:ext cx="1437253" cy="369332"/>
+          </a:xfrm>
+          <a:prstGeom prst="rect">
+            <a:avLst/>
+          </a:prstGeom>
+          <a:noFill/>
+        </p:spPr>
+        <p:txBody>
+          <a:bodyPr wrap="none" rtlCol="0">
+            <a:spAutoFit/>
+          </a:bodyPr>
+          <a:lstStyle/>
+          <a:p>
+            <a:r>
+              <a:rPr lang="en-US" dirty="0" smtClean="0"/>
+              <a:t>Fig. 2 Buffer</a:t>
+            </a:r>
+            <a:endParaRPr lang="en-US" dirty="0"/>
+          </a:p>
+        </p:txBody>
+      </p:sp>
     </p:spTree>
   </p:cSld>
   <p:clrMapOvr>
@@ -3655,12 +4063,12 @@
           <a:lstStyle/>
           <a:p>
             <a:r>
-              <a:rPr lang="en-GB" altLang="en-US" dirty="0" err="1" smtClean="0"/>
-              <a:t>Bandpass</a:t>
-            </a:r>
-            <a:r>
               <a:rPr lang="en-GB" altLang="en-US" dirty="0" smtClean="0"/>
-              <a:t> filtering</a:t>
+              <a:t>Band-pass </a:t>
+            </a:r>
+            <a:r>
+              <a:rPr lang="en-GB" altLang="en-US" dirty="0" smtClean="0"/>
+              <a:t>filtering</a:t>
             </a:r>
             <a:br>
               <a:rPr lang="en-GB" altLang="en-US" dirty="0" smtClean="0"/>
@@ -3669,63 +4077,9 @@
           </a:p>
         </p:txBody>
       </p:sp>
-      <p:sp>
-        <p:nvSpPr>
-          <p:cNvPr id="7176" name="Rectangle 8"/>
-          <p:cNvSpPr>
-            <a:spLocks noGrp="1" noChangeArrowheads="1"/>
-          </p:cNvSpPr>
-          <p:nvPr>
-            <p:ph type="body" idx="1"/>
-          </p:nvPr>
-        </p:nvSpPr>
-        <p:spPr>
-          <a:xfrm>
-            <a:off x="347039" y="1664351"/>
-            <a:ext cx="8489950" cy="3457575"/>
-          </a:xfrm>
-        </p:spPr>
-        <p:txBody>
-          <a:bodyPr/>
-          <a:lstStyle/>
-          <a:p>
-            <a:endParaRPr lang="en-GB" altLang="en-US"/>
-          </a:p>
-        </p:txBody>
-      </p:sp>
       <p:pic>
         <p:nvPicPr>
-          <p:cNvPr id="2" name="Picture 1"/>
-          <p:cNvPicPr>
-            <a:picLocks noChangeAspect="1"/>
-          </p:cNvPicPr>
-          <p:nvPr/>
-        </p:nvPicPr>
-        <p:blipFill>
-          <a:blip r:embed="rId2">
-            <a:extLst>
-              <a:ext uri="{28A0092B-C50C-407E-A947-70E740481C1C}">
-                <a14:useLocalDpi xmlns:a14="http://schemas.microsoft.com/office/drawing/2010/main" val="0"/>
-              </a:ext>
-            </a:extLst>
-          </a:blip>
-          <a:stretch>
-            <a:fillRect/>
-          </a:stretch>
-        </p:blipFill>
-        <p:spPr>
-          <a:xfrm>
-            <a:off x="660295" y="3613910"/>
-            <a:ext cx="4063999" cy="3048000"/>
-          </a:xfrm>
-          <a:prstGeom prst="rect">
-            <a:avLst/>
-          </a:prstGeom>
-        </p:spPr>
-      </p:pic>
-      <p:pic>
-        <p:nvPicPr>
-          <p:cNvPr id="3" name="Picture 2"/>
+          <p:cNvPr id="4" name="Picture 3"/>
           <p:cNvPicPr>
             <a:picLocks noChangeAspect="1"/>
           </p:cNvPicPr>
@@ -3745,8 +4099,38 @@
         </p:blipFill>
         <p:spPr>
           <a:xfrm>
-            <a:off x="4772989" y="3613910"/>
-            <a:ext cx="4064000" cy="3048000"/>
+            <a:off x="683568" y="1556544"/>
+            <a:ext cx="6962775" cy="1476375"/>
+          </a:xfrm>
+          <a:prstGeom prst="rect">
+            <a:avLst/>
+          </a:prstGeom>
+        </p:spPr>
+      </p:pic>
+      <p:pic>
+        <p:nvPicPr>
+          <p:cNvPr id="5" name="Picture 4"/>
+          <p:cNvPicPr>
+            <a:picLocks noChangeAspect="1"/>
+          </p:cNvPicPr>
+          <p:nvPr/>
+        </p:nvPicPr>
+        <p:blipFill>
+          <a:blip r:embed="rId4">
+            <a:extLst>
+              <a:ext uri="{28A0092B-C50C-407E-A947-70E740481C1C}">
+                <a14:useLocalDpi xmlns:a14="http://schemas.microsoft.com/office/drawing/2010/main" val="0"/>
+              </a:ext>
+            </a:extLst>
+          </a:blip>
+          <a:stretch>
+            <a:fillRect/>
+          </a:stretch>
+        </p:blipFill>
+        <p:spPr>
+          <a:xfrm>
+            <a:off x="0" y="3284984"/>
+            <a:ext cx="8705412" cy="2781344"/>
           </a:xfrm>
           <a:prstGeom prst="rect">
             <a:avLst/>
@@ -3813,22 +4197,146 @@
           </a:p>
         </p:txBody>
       </p:sp>
-      <p:sp>
-        <p:nvSpPr>
-          <p:cNvPr id="3" name="Content Placeholder 2"/>
-          <p:cNvSpPr>
-            <a:spLocks noGrp="1"/>
-          </p:cNvSpPr>
+      <p:pic>
+        <p:nvPicPr>
+          <p:cNvPr id="4" name="Content Placeholder 3"/>
+          <p:cNvPicPr>
+            <a:picLocks noGrp="1" noChangeAspect="1"/>
+          </p:cNvPicPr>
           <p:nvPr>
             <p:ph idx="1"/>
           </p:nvPr>
-        </p:nvSpPr>
-        <p:spPr/>
-        <p:txBody>
-          <a:bodyPr/>
+        </p:nvPicPr>
+        <p:blipFill>
+          <a:blip r:embed="rId2">
+            <a:extLst>
+              <a:ext uri="{28A0092B-C50C-407E-A947-70E740481C1C}">
+                <a14:useLocalDpi xmlns:a14="http://schemas.microsoft.com/office/drawing/2010/main" val="0"/>
+              </a:ext>
+            </a:extLst>
+          </a:blip>
+          <a:stretch>
+            <a:fillRect/>
+          </a:stretch>
+        </p:blipFill>
+        <p:spPr>
+          <a:xfrm>
+            <a:off x="5390687" y="1124744"/>
+            <a:ext cx="2819400" cy="1781175"/>
+          </a:xfrm>
+        </p:spPr>
+      </p:pic>
+      <p:pic>
+        <p:nvPicPr>
+          <p:cNvPr id="5" name="Picture 4"/>
+          <p:cNvPicPr>
+            <a:picLocks noChangeAspect="1"/>
+          </p:cNvPicPr>
+          <p:nvPr/>
+        </p:nvPicPr>
+        <p:blipFill>
+          <a:blip r:embed="rId3">
+            <a:extLst>
+              <a:ext uri="{28A0092B-C50C-407E-A947-70E740481C1C}">
+                <a14:useLocalDpi xmlns:a14="http://schemas.microsoft.com/office/drawing/2010/main" val="0"/>
+              </a:ext>
+            </a:extLst>
+          </a:blip>
+          <a:stretch>
+            <a:fillRect/>
+          </a:stretch>
+        </p:blipFill>
+        <p:spPr>
+          <a:xfrm>
+            <a:off x="330200" y="3284984"/>
+            <a:ext cx="4063999" cy="3048000"/>
+          </a:xfrm>
+          <a:prstGeom prst="rect">
+            <a:avLst/>
+          </a:prstGeom>
+        </p:spPr>
+      </p:pic>
+      <p:pic>
+        <p:nvPicPr>
+          <p:cNvPr id="6" name="Picture 5"/>
+          <p:cNvPicPr>
+            <a:picLocks noChangeAspect="1"/>
+          </p:cNvPicPr>
+          <p:nvPr/>
+        </p:nvPicPr>
+        <p:blipFill>
+          <a:blip r:embed="rId4">
+            <a:extLst>
+              <a:ext uri="{28A0092B-C50C-407E-A947-70E740481C1C}">
+                <a14:useLocalDpi xmlns:a14="http://schemas.microsoft.com/office/drawing/2010/main" val="0"/>
+              </a:ext>
+            </a:extLst>
+          </a:blip>
+          <a:stretch>
+            <a:fillRect/>
+          </a:stretch>
+        </p:blipFill>
+        <p:spPr>
+          <a:xfrm>
+            <a:off x="4552758" y="3280257"/>
+            <a:ext cx="4064000" cy="3048000"/>
+          </a:xfrm>
+          <a:prstGeom prst="rect">
+            <a:avLst/>
+          </a:prstGeom>
+        </p:spPr>
+      </p:pic>
+      <p:sp>
+        <p:nvSpPr>
+          <p:cNvPr id="7" name="TextBox 6"/>
+          <p:cNvSpPr txBox="1"/>
+          <p:nvPr/>
+        </p:nvSpPr>
+        <p:spPr>
+          <a:xfrm>
+            <a:off x="467544" y="1844824"/>
+            <a:ext cx="4923143" cy="923330"/>
+          </a:xfrm>
+          <a:prstGeom prst="rect">
+            <a:avLst/>
+          </a:prstGeom>
+          <a:noFill/>
+        </p:spPr>
+        <p:txBody>
+          <a:bodyPr wrap="none" rtlCol="0">
+            <a:spAutoFit/>
+          </a:bodyPr>
           <a:lstStyle/>
           <a:p>
-            <a:endParaRPr lang="en-US"/>
+            <a:pPr marL="285750" indent="-285750">
+              <a:buFontTx/>
+              <a:buChar char="-"/>
+            </a:pPr>
+            <a:r>
+              <a:rPr lang="en-US" dirty="0" smtClean="0"/>
+              <a:t>Inverting amplifier stage</a:t>
+            </a:r>
+          </a:p>
+          <a:p>
+            <a:pPr marL="285750" indent="-285750">
+              <a:buFontTx/>
+              <a:buChar char="-"/>
+            </a:pPr>
+            <a:r>
+              <a:rPr lang="en-US" dirty="0" smtClean="0"/>
+              <a:t>DC Bias stage</a:t>
+            </a:r>
+          </a:p>
+          <a:p>
+            <a:pPr marL="285750" indent="-285750">
+              <a:buFontTx/>
+              <a:buChar char="-"/>
+            </a:pPr>
+            <a:r>
+              <a:rPr lang="en-US" dirty="0" smtClean="0"/>
+              <a:t>All selected suitably for the Microprocessor </a:t>
+            </a:r>
+            <a:endParaRPr lang="en-US" dirty="0"/>
           </a:p>
         </p:txBody>
       </p:sp>
@@ -3885,14 +4393,18 @@
           <a:lstStyle/>
           <a:p>
             <a:r>
-              <a:rPr lang="en-US" dirty="0" err="1" smtClean="0"/>
-              <a:t>Goertzel</a:t>
-            </a:r>
-            <a:r>
               <a:rPr lang="en-US" dirty="0" smtClean="0"/>
-              <a:t> Algorithm #DSP #API</a:t>
-            </a:r>
-            <a:endParaRPr lang="en-US" dirty="0"/>
+              <a:t>Goertzel </a:t>
+            </a:r>
+            <a:r>
+              <a:rPr lang="en-US" dirty="0" smtClean="0"/>
+              <a:t>Algorithm </a:t>
+            </a:r>
+            <a:r>
+              <a:rPr lang="en-US" sz="2000" dirty="0" smtClean="0"/>
+              <a:t>(Digital Signal Processing and API) </a:t>
+            </a:r>
+            <a:endParaRPr lang="en-US" sz="2000" dirty="0"/>
           </a:p>
         </p:txBody>
       </p:sp>
@@ -3925,6 +4437,102 @@
   <p:clrMapOvr>
     <a:masterClrMapping/>
   </p:clrMapOvr>
+  <p:timing>
+    <p:tnLst>
+      <p:par>
+        <p:cTn id="1" dur="indefinite" restart="never" nodeType="tmRoot"/>
+      </p:par>
+    </p:tnLst>
+  </p:timing>
+</p:sld>
+</file>
+
+<file path=ppt/slides/slide6.xml><?xml version="1.0" encoding="utf-8"?>
+<p:sld xmlns:a="http://schemas.openxmlformats.org/drawingml/2006/main" xmlns:r="http://schemas.openxmlformats.org/officeDocument/2006/relationships" xmlns:p="http://schemas.openxmlformats.org/presentationml/2006/main">
+  <p:cSld>
+    <p:spTree>
+      <p:nvGrpSpPr>
+        <p:cNvPr id="1" name=""/>
+        <p:cNvGrpSpPr/>
+        <p:nvPr/>
+      </p:nvGrpSpPr>
+      <p:grpSpPr>
+        <a:xfrm>
+          <a:off x="0" y="0"/>
+          <a:ext cx="0" cy="0"/>
+          <a:chOff x="0" y="0"/>
+          <a:chExt cx="0" cy="0"/>
+        </a:xfrm>
+      </p:grpSpPr>
+      <p:sp>
+        <p:nvSpPr>
+          <p:cNvPr id="2" name="Title 1"/>
+          <p:cNvSpPr>
+            <a:spLocks noGrp="1"/>
+          </p:cNvSpPr>
+          <p:nvPr>
+            <p:ph type="title"/>
+          </p:nvPr>
+        </p:nvSpPr>
+        <p:spPr/>
+        <p:txBody>
+          <a:bodyPr/>
+          <a:lstStyle/>
+          <a:p>
+            <a:r>
+              <a:rPr lang="en-US" dirty="0" smtClean="0"/>
+              <a:t>Conclusion </a:t>
+            </a:r>
+            <a:endParaRPr lang="en-US" dirty="0"/>
+          </a:p>
+        </p:txBody>
+      </p:sp>
+      <p:sp>
+        <p:nvSpPr>
+          <p:cNvPr id="3" name="Content Placeholder 2"/>
+          <p:cNvSpPr>
+            <a:spLocks noGrp="1"/>
+          </p:cNvSpPr>
+          <p:nvPr>
+            <p:ph idx="1"/>
+          </p:nvPr>
+        </p:nvSpPr>
+        <p:spPr/>
+        <p:txBody>
+          <a:bodyPr/>
+          <a:lstStyle/>
+          <a:p>
+            <a:r>
+              <a:rPr lang="en-US" dirty="0" smtClean="0"/>
+              <a:t>Problems encountered :                                                 - Decoupling capacitor to reduce rail noise               - Coding implementation </a:t>
+            </a:r>
+          </a:p>
+          <a:p>
+            <a:r>
+              <a:rPr lang="en-US" dirty="0" smtClean="0"/>
+              <a:t>Final phone number retrieved </a:t>
+            </a:r>
+            <a:endParaRPr lang="en-US" dirty="0"/>
+          </a:p>
+        </p:txBody>
+      </p:sp>
+    </p:spTree>
+    <p:extLst>
+      <p:ext uri="{BB962C8B-B14F-4D97-AF65-F5344CB8AC3E}">
+        <p14:creationId xmlns:p14="http://schemas.microsoft.com/office/powerpoint/2010/main" val="1130874322"/>
+      </p:ext>
+    </p:extLst>
+  </p:cSld>
+  <p:clrMapOvr>
+    <a:masterClrMapping/>
+  </p:clrMapOvr>
+  <p:timing>
+    <p:tnLst>
+      <p:par>
+        <p:cTn id="1" dur="indefinite" restart="never" nodeType="tmRoot"/>
+      </p:par>
+    </p:tnLst>
+  </p:timing>
 </p:sld>
 </file>
 

--- a/docs/ppt.pptx
+++ b/docs/ppt.pptx
@@ -276,7 +276,7 @@
           <a:p>
             <a:fld id="{243AD6EE-6D3A-F445-81BD-64B2DD9F11D9}" type="datetimeFigureOut">
               <a:rPr lang="en-US" smtClean="0"/>
-              <a:t>1/14/16</a:t>
+              <a:t>1/15/16</a:t>
             </a:fld>
             <a:endParaRPr lang="en-US"/>
           </a:p>
@@ -904,6 +904,90 @@
           <a:bodyPr/>
           <a:lstStyle/>
           <a:p>
+            <a:endParaRPr lang="en-US" dirty="0"/>
+          </a:p>
+        </p:txBody>
+      </p:sp>
+      <p:sp>
+        <p:nvSpPr>
+          <p:cNvPr id="4" name="Slide Number Placeholder 3"/>
+          <p:cNvSpPr>
+            <a:spLocks noGrp="1"/>
+          </p:cNvSpPr>
+          <p:nvPr>
+            <p:ph type="sldNum" sz="quarter" idx="10"/>
+          </p:nvPr>
+        </p:nvSpPr>
+        <p:spPr/>
+        <p:txBody>
+          <a:bodyPr/>
+          <a:lstStyle/>
+          <a:p>
+            <a:fld id="{135DCE0F-2EDF-B948-9B99-AC9680F60B4B}" type="slidenum">
+              <a:rPr lang="en-US" smtClean="0"/>
+              <a:t>4</a:t>
+            </a:fld>
+            <a:endParaRPr lang="en-US"/>
+          </a:p>
+        </p:txBody>
+      </p:sp>
+    </p:spTree>
+    <p:extLst>
+      <p:ext uri="{BB962C8B-B14F-4D97-AF65-F5344CB8AC3E}">
+        <p14:creationId xmlns:p14="http://schemas.microsoft.com/office/powerpoint/2010/main" val="2139675312"/>
+      </p:ext>
+    </p:extLst>
+  </p:cSld>
+  <p:clrMapOvr>
+    <a:masterClrMapping/>
+  </p:clrMapOvr>
+</p:notes>
+</file>
+
+<file path=ppt/notesSlides/notesSlide5.xml><?xml version="1.0" encoding="utf-8"?>
+<p:notes xmlns:a="http://schemas.openxmlformats.org/drawingml/2006/main" xmlns:r="http://schemas.openxmlformats.org/officeDocument/2006/relationships" xmlns:p="http://schemas.openxmlformats.org/presentationml/2006/main">
+  <p:cSld>
+    <p:spTree>
+      <p:nvGrpSpPr>
+        <p:cNvPr id="1" name=""/>
+        <p:cNvGrpSpPr/>
+        <p:nvPr/>
+      </p:nvGrpSpPr>
+      <p:grpSpPr>
+        <a:xfrm>
+          <a:off x="0" y="0"/>
+          <a:ext cx="0" cy="0"/>
+          <a:chOff x="0" y="0"/>
+          <a:chExt cx="0" cy="0"/>
+        </a:xfrm>
+      </p:grpSpPr>
+      <p:sp>
+        <p:nvSpPr>
+          <p:cNvPr id="2" name="Slide Image Placeholder 1"/>
+          <p:cNvSpPr>
+            <a:spLocks noGrp="1" noRot="1" noChangeAspect="1"/>
+          </p:cNvSpPr>
+          <p:nvPr>
+            <p:ph type="sldImg"/>
+          </p:nvPr>
+        </p:nvSpPr>
+        <p:spPr/>
+      </p:sp>
+      <p:sp>
+        <p:nvSpPr>
+          <p:cNvPr id="3" name="Notes Placeholder 2"/>
+          <p:cNvSpPr>
+            <a:spLocks noGrp="1"/>
+          </p:cNvSpPr>
+          <p:nvPr>
+            <p:ph type="body" idx="1"/>
+          </p:nvPr>
+        </p:nvSpPr>
+        <p:spPr/>
+        <p:txBody>
+          <a:bodyPr/>
+          <a:lstStyle/>
+          <a:p>
             <a:r>
               <a:rPr lang="en-US" dirty="0" smtClean="0"/>
               <a:t>Coupling/Decoupling</a:t>
@@ -920,6 +1004,17 @@
               <a:rPr lang="en-US" baseline="0" dirty="0" smtClean="0"/>
               <a:t>/oscilloscope</a:t>
             </a:r>
+          </a:p>
+          <a:p>
+            <a:endParaRPr lang="en-US" baseline="0" dirty="0" smtClean="0"/>
+          </a:p>
+          <a:p>
+            <a:endParaRPr lang="en-US" baseline="0" dirty="0" smtClean="0"/>
+          </a:p>
+          <a:p>
+            <a:endParaRPr lang="en-US" baseline="0" dirty="0" smtClean="0"/>
+          </a:p>
+          <a:p>
             <a:endParaRPr lang="en-US" dirty="0"/>
           </a:p>
         </p:txBody>
@@ -3782,11 +3877,7 @@
           <a:p>
             <a:r>
               <a:rPr lang="en-GB" altLang="en-US" dirty="0" smtClean="0"/>
-              <a:t>Extracting the signal </a:t>
-            </a:r>
-            <a:r>
-              <a:rPr lang="en-GB" altLang="en-US" dirty="0" smtClean="0"/>
-              <a:t> </a:t>
+              <a:t>Extracting the signal  </a:t>
             </a:r>
             <a:r>
               <a:rPr lang="en-GB" altLang="en-US" dirty="0"/>
@@ -3794,15 +3885,7 @@
             </a:r>
             <a:r>
               <a:rPr lang="en-GB" altLang="en-US" dirty="0" smtClean="0"/>
-              <a:t>Coil </a:t>
-            </a:r>
-            <a:r>
-              <a:rPr lang="en-GB" altLang="en-US" dirty="0" smtClean="0"/>
-              <a:t>and </a:t>
-            </a:r>
-            <a:r>
-              <a:rPr lang="en-GB" altLang="en-US" dirty="0" smtClean="0"/>
-              <a:t>buffer stage)</a:t>
+              <a:t>Coil and buffer stage)</a:t>
             </a:r>
             <a:endParaRPr lang="en-GB" altLang="en-US" dirty="0"/>
           </a:p>
@@ -3830,15 +3913,7 @@
           <a:p>
             <a:r>
               <a:rPr lang="en-GB" altLang="en-US" sz="2400" dirty="0" smtClean="0"/>
-              <a:t>Coiling the </a:t>
-            </a:r>
-            <a:r>
-              <a:rPr lang="en-GB" altLang="en-US" sz="2400" dirty="0" smtClean="0"/>
-              <a:t>wire </a:t>
-            </a:r>
-            <a:r>
-              <a:rPr lang="en-GB" altLang="en-US" sz="2400" dirty="0" smtClean="0"/>
-              <a:t>(twisted-parallel as by Faraday’s Law)</a:t>
+              <a:t>Coiling the wire (twisted-parallel as by Faraday’s Law)</a:t>
             </a:r>
           </a:p>
           <a:p>
@@ -4064,11 +4139,7 @@
           <a:p>
             <a:r>
               <a:rPr lang="en-GB" altLang="en-US" dirty="0" smtClean="0"/>
-              <a:t>Band-pass </a:t>
-            </a:r>
-            <a:r>
-              <a:rPr lang="en-GB" altLang="en-US" dirty="0" smtClean="0"/>
-              <a:t>filtering</a:t>
+              <a:t>Band-pass filtering</a:t>
             </a:r>
             <a:br>
               <a:rPr lang="en-GB" altLang="en-US" dirty="0" smtClean="0"/>
@@ -4208,7 +4279,7 @@
           </p:nvPr>
         </p:nvPicPr>
         <p:blipFill>
-          <a:blip r:embed="rId2">
+          <a:blip r:embed="rId3">
             <a:extLst>
               <a:ext uri="{28A0092B-C50C-407E-A947-70E740481C1C}">
                 <a14:useLocalDpi xmlns:a14="http://schemas.microsoft.com/office/drawing/2010/main" val="0"/>
@@ -4235,7 +4306,7 @@
           <p:nvPr/>
         </p:nvPicPr>
         <p:blipFill>
-          <a:blip r:embed="rId3">
+          <a:blip r:embed="rId4">
             <a:extLst>
               <a:ext uri="{28A0092B-C50C-407E-A947-70E740481C1C}">
                 <a14:useLocalDpi xmlns:a14="http://schemas.microsoft.com/office/drawing/2010/main" val="0"/>
@@ -4265,7 +4336,7 @@
           <p:nvPr/>
         </p:nvPicPr>
         <p:blipFill>
-          <a:blip r:embed="rId4">
+          <a:blip r:embed="rId5">
             <a:extLst>
               <a:ext uri="{28A0092B-C50C-407E-A947-70E740481C1C}">
                 <a14:useLocalDpi xmlns:a14="http://schemas.microsoft.com/office/drawing/2010/main" val="0"/>
@@ -4394,11 +4465,7 @@
           <a:p>
             <a:r>
               <a:rPr lang="en-US" dirty="0" smtClean="0"/>
-              <a:t>Goertzel </a:t>
-            </a:r>
-            <a:r>
-              <a:rPr lang="en-US" dirty="0" smtClean="0"/>
-              <a:t>Algorithm </a:t>
+              <a:t>Goertzel Algorithm </a:t>
             </a:r>
             <a:r>
               <a:rPr lang="en-US" sz="2000" dirty="0" smtClean="0"/>
@@ -4418,12 +4485,108 @@
             <p:ph idx="1"/>
           </p:nvPr>
         </p:nvSpPr>
-        <p:spPr/>
+        <p:spPr>
+          <a:xfrm>
+            <a:off x="309386" y="1556544"/>
+            <a:ext cx="8510763" cy="4968800"/>
+          </a:xfrm>
+        </p:spPr>
         <p:txBody>
           <a:bodyPr/>
           <a:lstStyle/>
           <a:p>
-            <a:endParaRPr lang="en-US" dirty="0"/>
+            <a:r>
+              <a:rPr lang="en-US" sz="2400" dirty="0" smtClean="0"/>
+              <a:t>Data </a:t>
+            </a:r>
+            <a:r>
+              <a:rPr lang="en-US" sz="2400" dirty="0" smtClean="0">
+                <a:sym typeface="Wingdings"/>
+              </a:rPr>
+              <a:t> Serial</a:t>
+            </a:r>
+          </a:p>
+          <a:p>
+            <a:r>
+              <a:rPr lang="en-US" sz="2400" dirty="0" smtClean="0">
+                <a:sym typeface="Wingdings"/>
+              </a:rPr>
+              <a:t>Sample rate = 4000Hz, high enough for accurate sampling but low enough so data can be read and sent to DTMF function</a:t>
+            </a:r>
+          </a:p>
+          <a:p>
+            <a:r>
+              <a:rPr lang="en-US" sz="2400" dirty="0" smtClean="0">
+                <a:sym typeface="Wingdings"/>
+              </a:rPr>
+              <a:t>Acquiring bin width = Fs / N</a:t>
+            </a:r>
+          </a:p>
+          <a:p>
+            <a:r>
+              <a:rPr lang="en-US" sz="2400" dirty="0" smtClean="0">
+                <a:sym typeface="Wingdings"/>
+              </a:rPr>
+              <a:t>Threshold = </a:t>
+            </a:r>
+            <a:r>
+              <a:rPr lang="en-US" sz="2400" smtClean="0">
+                <a:sym typeface="Wingdings"/>
+              </a:rPr>
+              <a:t>magnitude threshold</a:t>
+            </a:r>
+            <a:endParaRPr lang="en-US" sz="2400" dirty="0" smtClean="0">
+              <a:sym typeface="Wingdings"/>
+            </a:endParaRPr>
+          </a:p>
+          <a:p>
+            <a:r>
+              <a:rPr lang="en-US" sz="2400" dirty="0" err="1" smtClean="0"/>
+              <a:t>Goertzel</a:t>
+            </a:r>
+            <a:r>
+              <a:rPr lang="en-US" sz="2400" dirty="0" smtClean="0"/>
+              <a:t> function</a:t>
+            </a:r>
+            <a:r>
+              <a:rPr lang="en-US" sz="2400" dirty="0" smtClean="0"/>
+              <a:t>: </a:t>
+            </a:r>
+          </a:p>
+          <a:p>
+            <a:pPr lvl="1"/>
+            <a:r>
+              <a:rPr lang="en-US" sz="2000" dirty="0" smtClean="0"/>
+              <a:t>Compute coefficients</a:t>
+            </a:r>
+          </a:p>
+          <a:p>
+            <a:pPr lvl="1"/>
+            <a:r>
+              <a:rPr lang="en-US" sz="2000" dirty="0" smtClean="0"/>
+              <a:t>Calculate magnitude for each frequency</a:t>
+            </a:r>
+          </a:p>
+          <a:p>
+            <a:pPr lvl="1"/>
+            <a:r>
+              <a:rPr lang="en-US" sz="2000" dirty="0" smtClean="0"/>
+              <a:t>DTMF function:</a:t>
+            </a:r>
+          </a:p>
+          <a:p>
+            <a:pPr lvl="2"/>
+            <a:r>
+              <a:rPr lang="en-US" sz="1600" dirty="0" smtClean="0"/>
+              <a:t>Finding the max magnitude and goes through each row frequency and column frequency to identify the number</a:t>
+            </a:r>
+          </a:p>
+          <a:p>
+            <a:pPr lvl="2"/>
+            <a:r>
+              <a:rPr lang="en-US" sz="1600" dirty="0" smtClean="0"/>
+              <a:t>Outputs the 11 digit number, setting the threshold against the noise (to get rid of background noise)</a:t>
+            </a:r>
           </a:p>
         </p:txBody>
       </p:sp>
